--- a/Module 3. SQL/3. SQL Joins.pptx
+++ b/Module 3. SQL/3. SQL Joins.pptx
@@ -3326,7 +3326,7 @@
         <p:spPr>
           <a:xfrm>
             <a:off x="2608030" y="2383511"/>
-            <a:ext cx="7048606" cy="1438881"/>
+            <a:ext cx="7048606" cy="3137784"/>
           </a:xfrm>
           <a:prstGeom prst="rect">
             <a:avLst/>
@@ -3409,6 +3409,94 @@
             </a:pPr>
             <a:r>
               <a:t>JOIN Statement</a:t>
+            </a:r>
+          </a:p>
+          <a:p>
+            <a:pPr lvl="1" marL="1469366" indent="-466066" defTabSz="1219200">
+              <a:lnSpc>
+                <a:spcPct val="120000"/>
+              </a:lnSpc>
+              <a:buClr>
+                <a:srgbClr val="000000"/>
+              </a:buClr>
+              <a:buSzPts val="2400"/>
+              <a:buFont typeface="Arial"/>
+              <a:buChar char="●"/>
+              <a:defRPr b="1" sz="2400">
+                <a:latin typeface="Arial"/>
+                <a:ea typeface="Arial"/>
+                <a:cs typeface="Arial"/>
+                <a:sym typeface="Arial"/>
+              </a:defRPr>
+            </a:pPr>
+            <a:r>
+              <a:t>INNER JOIN</a:t>
+            </a:r>
+          </a:p>
+          <a:p>
+            <a:pPr lvl="1" marL="1469366" indent="-466066" defTabSz="1219200">
+              <a:lnSpc>
+                <a:spcPct val="120000"/>
+              </a:lnSpc>
+              <a:buClr>
+                <a:srgbClr val="000000"/>
+              </a:buClr>
+              <a:buSzPts val="2400"/>
+              <a:buFont typeface="Arial"/>
+              <a:buChar char="●"/>
+              <a:defRPr b="1" sz="2400">
+                <a:latin typeface="Arial"/>
+                <a:ea typeface="Arial"/>
+                <a:cs typeface="Arial"/>
+                <a:sym typeface="Arial"/>
+              </a:defRPr>
+            </a:pPr>
+            <a:r>
+              <a:t>LEFT JOIN</a:t>
+            </a:r>
+          </a:p>
+          <a:p>
+            <a:pPr lvl="1" marL="1469366" indent="-466066" defTabSz="1219200">
+              <a:lnSpc>
+                <a:spcPct val="120000"/>
+              </a:lnSpc>
+              <a:buClr>
+                <a:srgbClr val="000000"/>
+              </a:buClr>
+              <a:buSzPts val="2400"/>
+              <a:buFont typeface="Arial"/>
+              <a:buChar char="●"/>
+              <a:defRPr b="1" sz="2400">
+                <a:latin typeface="Arial"/>
+                <a:ea typeface="Arial"/>
+                <a:cs typeface="Arial"/>
+                <a:sym typeface="Arial"/>
+              </a:defRPr>
+            </a:pPr>
+            <a:r>
+              <a:t>RIGHT JOIN</a:t>
+            </a:r>
+          </a:p>
+          <a:p>
+            <a:pPr lvl="1" marL="1469366" indent="-466066" defTabSz="1219200">
+              <a:lnSpc>
+                <a:spcPct val="120000"/>
+              </a:lnSpc>
+              <a:buClr>
+                <a:srgbClr val="000000"/>
+              </a:buClr>
+              <a:buSzPts val="2400"/>
+              <a:buFont typeface="Arial"/>
+              <a:buChar char="●"/>
+              <a:defRPr b="1" sz="2400">
+                <a:latin typeface="Arial"/>
+                <a:ea typeface="Arial"/>
+                <a:cs typeface="Arial"/>
+                <a:sym typeface="Arial"/>
+              </a:defRPr>
+            </a:pPr>
+            <a:r>
+              <a:t>FULL OUTER JOIN</a:t>
             </a:r>
           </a:p>
         </p:txBody>
